--- a/materials/slides/ch04/01 接口测试自动化基础.pptx
+++ b/materials/slides/ch04/01 接口测试自动化基础.pptx
@@ -115,6 +115,22 @@
       </a:defRPr>
     </a:lvl9pPr>
   </p:defaultTextStyle>
+  <p:extLst>
+    <p:ext uri="{EFAFB233-063F-42B5-8137-9DF3F51BA10A}">
+      <p15:sldGuideLst xmlns:p15="http://schemas.microsoft.com/office/powerpoint/2012/main">
+        <p15:guide id="1" orient="horz" pos="1620">
+          <p15:clr>
+            <a:srgbClr val="A4A3A4"/>
+          </p15:clr>
+        </p15:guide>
+        <p15:guide id="2" pos="2880">
+          <p15:clr>
+            <a:srgbClr val="A4A3A4"/>
+          </p15:clr>
+        </p15:guide>
+      </p15:sldGuideLst>
+    </p:ext>
+  </p:extLst>
 </p:presentation>
 </file>
 
@@ -200,7 +216,7 @@
           <a:p>
             <a:fld id="{E45DE43E-AE57-4683-A429-3F46F1978ACA}" type="datetimeFigureOut">
               <a:rPr lang="zh-CN" altLang="en-US" smtClean="0"/>
-              <a:t>2019/9/5</a:t>
+              <a:t>2020/9/17</a:t>
             </a:fld>
             <a:endParaRPr lang="zh-CN" altLang="en-US"/>
           </a:p>
@@ -264,38 +280,37 @@
           <a:p>
             <a:pPr lvl="0"/>
             <a:r>
-              <a:rPr lang="zh-CN" altLang="en-US" smtClean="0"/>
+              <a:rPr lang="zh-CN" altLang="en-US"/>
               <a:t>单击此处编辑母版文本样式</a:t>
             </a:r>
           </a:p>
           <a:p>
             <a:pPr lvl="1"/>
             <a:r>
-              <a:rPr lang="zh-CN" altLang="en-US" smtClean="0"/>
+              <a:rPr lang="zh-CN" altLang="en-US"/>
               <a:t>第二级</a:t>
             </a:r>
           </a:p>
           <a:p>
             <a:pPr lvl="2"/>
             <a:r>
-              <a:rPr lang="zh-CN" altLang="en-US" smtClean="0"/>
+              <a:rPr lang="zh-CN" altLang="en-US"/>
               <a:t>第三级</a:t>
             </a:r>
           </a:p>
           <a:p>
             <a:pPr lvl="3"/>
             <a:r>
-              <a:rPr lang="zh-CN" altLang="en-US" smtClean="0"/>
+              <a:rPr lang="zh-CN" altLang="en-US"/>
               <a:t>第四级</a:t>
             </a:r>
           </a:p>
           <a:p>
             <a:pPr lvl="4"/>
             <a:r>
-              <a:rPr lang="zh-CN" altLang="en-US" smtClean="0"/>
+              <a:rPr lang="zh-CN" altLang="en-US"/>
               <a:t>第五级</a:t>
             </a:r>
-            <a:endParaRPr lang="zh-CN" altLang="en-US"/>
           </a:p>
         </p:txBody>
       </p:sp>
@@ -513,10 +528,9 @@
           <a:lstStyle/>
           <a:p>
             <a:r>
-              <a:rPr lang="zh-CN" altLang="en-US" dirty="0" smtClean="0"/>
+              <a:rPr lang="zh-CN" altLang="en-US" dirty="0"/>
               <a:t>无人值守，可复用，方便回归</a:t>
             </a:r>
-            <a:endParaRPr lang="zh-CN" altLang="en-US" dirty="0"/>
           </a:p>
         </p:txBody>
       </p:sp>
@@ -601,14 +615,13 @@
           <a:lstStyle/>
           <a:p>
             <a:r>
-              <a:rPr lang="en-US" altLang="zh-CN" dirty="0" smtClean="0"/>
+              <a:rPr lang="en-US" altLang="zh-CN" dirty="0"/>
               <a:t>postman</a:t>
             </a:r>
             <a:r>
-              <a:rPr lang="zh-CN" altLang="en-US" dirty="0" smtClean="0"/>
+              <a:rPr lang="zh-CN" altLang="en-US" dirty="0"/>
               <a:t>无法持续性集成，无法发送邮件，数据驱动</a:t>
             </a:r>
-            <a:endParaRPr lang="zh-CN" altLang="en-US" dirty="0"/>
           </a:p>
         </p:txBody>
       </p:sp>
@@ -698,17 +711,16 @@
           <a:lstStyle/>
           <a:p>
             <a:r>
-              <a:rPr lang="zh-CN" altLang="en-US" dirty="0" smtClean="0"/>
+              <a:rPr lang="zh-CN" altLang="en-US" dirty="0"/>
               <a:t>结果返回的是图片的引用</a:t>
             </a:r>
-            <a:endParaRPr lang="en-US" altLang="zh-CN" dirty="0" smtClean="0"/>
-          </a:p>
-          <a:p>
-            <a:r>
-              <a:rPr lang="zh-CN" altLang="en-US" dirty="0" smtClean="0"/>
+            <a:endParaRPr lang="en-US" altLang="zh-CN" dirty="0"/>
+          </a:p>
+          <a:p>
+            <a:r>
+              <a:rPr lang="zh-CN" altLang="en-US" dirty="0"/>
               <a:t>访问首页是有多个接口去访问，我们只是做了其中一个</a:t>
             </a:r>
-            <a:endParaRPr lang="zh-CN" altLang="en-US" dirty="0"/>
           </a:p>
         </p:txBody>
       </p:sp>
@@ -782,7 +794,7 @@
           <a:p>
             <a:fld id="{530820CF-B880-4189-942D-D702A7CBA730}" type="datetimeFigureOut">
               <a:rPr lang="zh-CN" altLang="en-US" smtClean="0"/>
-              <a:t>2019/9/5</a:t>
+              <a:t>2020/9/17</a:t>
             </a:fld>
             <a:endParaRPr lang="zh-CN" altLang="en-US"/>
           </a:p>
@@ -955,7 +967,7 @@
           </a:lstStyle>
           <a:p>
             <a:r>
-              <a:rPr lang="zh-CN" altLang="en-US" smtClean="0"/>
+              <a:rPr lang="zh-CN" altLang="en-US"/>
               <a:t>单击此处编辑母版标题样式</a:t>
             </a:r>
             <a:endParaRPr lang="zh-CN" altLang="en-US" dirty="0"/>
@@ -1074,10 +1086,9 @@
           </a:lstStyle>
           <a:p>
             <a:r>
-              <a:rPr lang="zh-CN" altLang="en-US" smtClean="0"/>
+              <a:rPr lang="zh-CN" altLang="en-US"/>
               <a:t>单击此处编辑母版副标题样式</a:t>
             </a:r>
-            <a:endParaRPr lang="zh-CN" altLang="en-US"/>
           </a:p>
         </p:txBody>
       </p:sp>
@@ -1128,35 +1139,35 @@
           <a:p>
             <a:pPr lvl="0"/>
             <a:r>
-              <a:rPr lang="zh-CN" altLang="en-US" smtClean="0"/>
+              <a:rPr lang="zh-CN" altLang="en-US"/>
               <a:t>单击此处编辑母版文本样式</a:t>
             </a:r>
           </a:p>
           <a:p>
             <a:pPr lvl="1"/>
             <a:r>
-              <a:rPr lang="zh-CN" altLang="en-US" smtClean="0"/>
+              <a:rPr lang="zh-CN" altLang="en-US"/>
               <a:t>第二级</a:t>
             </a:r>
           </a:p>
           <a:p>
             <a:pPr lvl="2"/>
             <a:r>
-              <a:rPr lang="zh-CN" altLang="en-US" smtClean="0"/>
+              <a:rPr lang="zh-CN" altLang="en-US"/>
               <a:t>第三级</a:t>
             </a:r>
           </a:p>
           <a:p>
             <a:pPr lvl="3"/>
             <a:r>
-              <a:rPr lang="zh-CN" altLang="en-US" smtClean="0"/>
+              <a:rPr lang="zh-CN" altLang="en-US"/>
               <a:t>第四级</a:t>
             </a:r>
           </a:p>
           <a:p>
             <a:pPr lvl="4"/>
             <a:r>
-              <a:rPr lang="zh-CN" altLang="en-US" smtClean="0"/>
+              <a:rPr lang="zh-CN" altLang="en-US"/>
               <a:t>第五级</a:t>
             </a:r>
             <a:endParaRPr lang="zh-CN" altLang="en-US" dirty="0"/>
@@ -1180,7 +1191,7 @@
           <a:p>
             <a:fld id="{530820CF-B880-4189-942D-D702A7CBA730}" type="datetimeFigureOut">
               <a:rPr lang="zh-CN" altLang="en-US" smtClean="0"/>
-              <a:t>2019/9/5</a:t>
+              <a:t>2020/9/17</a:t>
             </a:fld>
             <a:endParaRPr lang="zh-CN" altLang="en-US"/>
           </a:p>
@@ -1307,7 +1318,7 @@
           </a:lstStyle>
           <a:p>
             <a:r>
-              <a:rPr lang="zh-CN" altLang="en-US" smtClean="0"/>
+              <a:rPr lang="zh-CN" altLang="en-US"/>
               <a:t>单击此处编辑母版标题样式</a:t>
             </a:r>
             <a:endParaRPr lang="zh-CN" altLang="en-US" dirty="0"/>
@@ -1392,35 +1403,35 @@
           <a:p>
             <a:pPr lvl="0"/>
             <a:r>
-              <a:rPr lang="zh-CN" altLang="en-US" smtClean="0"/>
+              <a:rPr lang="zh-CN" altLang="en-US"/>
               <a:t>单击此处编辑母版文本样式</a:t>
             </a:r>
           </a:p>
           <a:p>
             <a:pPr lvl="1"/>
             <a:r>
-              <a:rPr lang="zh-CN" altLang="en-US" smtClean="0"/>
+              <a:rPr lang="zh-CN" altLang="en-US"/>
               <a:t>第二级</a:t>
             </a:r>
           </a:p>
           <a:p>
             <a:pPr lvl="2"/>
             <a:r>
-              <a:rPr lang="zh-CN" altLang="en-US" smtClean="0"/>
+              <a:rPr lang="zh-CN" altLang="en-US"/>
               <a:t>第三级</a:t>
             </a:r>
           </a:p>
           <a:p>
             <a:pPr lvl="3"/>
             <a:r>
-              <a:rPr lang="zh-CN" altLang="en-US" smtClean="0"/>
+              <a:rPr lang="zh-CN" altLang="en-US"/>
               <a:t>第四级</a:t>
             </a:r>
           </a:p>
           <a:p>
             <a:pPr lvl="4"/>
             <a:r>
-              <a:rPr lang="zh-CN" altLang="en-US" smtClean="0"/>
+              <a:rPr lang="zh-CN" altLang="en-US"/>
               <a:t>第五级</a:t>
             </a:r>
             <a:endParaRPr lang="zh-CN" altLang="en-US" dirty="0"/>
@@ -1501,10 +1512,9 @@
           </a:lstStyle>
           <a:p>
             <a:r>
-              <a:rPr lang="zh-CN" altLang="en-US" dirty="0" smtClean="0"/>
+              <a:rPr lang="zh-CN" altLang="en-US" dirty="0"/>
               <a:t>单击此处编辑母版标题样式</a:t>
             </a:r>
-            <a:endParaRPr lang="zh-CN" altLang="en-US" dirty="0"/>
           </a:p>
         </p:txBody>
       </p:sp>
@@ -1564,13 +1574,6 @@
   <p:clrMapOvr>
     <a:masterClrMapping/>
   </p:clrMapOvr>
-  <p:timing>
-    <p:tnLst>
-      <p:par>
-        <p:cTn id="1" dur="indefinite" restart="never" nodeType="tmRoot"/>
-      </p:par>
-    </p:tnLst>
-  </p:timing>
 </p:sldLayout>
 </file>
 
@@ -1622,10 +1625,9 @@
           <a:lstStyle/>
           <a:p>
             <a:r>
-              <a:rPr lang="zh-CN" altLang="en-US" smtClean="0"/>
+              <a:rPr lang="zh-CN" altLang="en-US"/>
               <a:t>单击此处编辑母版标题样式</a:t>
             </a:r>
-            <a:endParaRPr lang="zh-CN" altLang="en-US"/>
           </a:p>
         </p:txBody>
       </p:sp>
@@ -1656,38 +1658,37 @@
           <a:p>
             <a:pPr lvl="0"/>
             <a:r>
-              <a:rPr lang="zh-CN" altLang="en-US" smtClean="0"/>
+              <a:rPr lang="zh-CN" altLang="en-US"/>
               <a:t>单击此处编辑母版文本样式</a:t>
             </a:r>
           </a:p>
           <a:p>
             <a:pPr lvl="1"/>
             <a:r>
-              <a:rPr lang="zh-CN" altLang="en-US" smtClean="0"/>
+              <a:rPr lang="zh-CN" altLang="en-US"/>
               <a:t>第二级</a:t>
             </a:r>
           </a:p>
           <a:p>
             <a:pPr lvl="2"/>
             <a:r>
-              <a:rPr lang="zh-CN" altLang="en-US" smtClean="0"/>
+              <a:rPr lang="zh-CN" altLang="en-US"/>
               <a:t>第三级</a:t>
             </a:r>
           </a:p>
           <a:p>
             <a:pPr lvl="3"/>
             <a:r>
-              <a:rPr lang="zh-CN" altLang="en-US" smtClean="0"/>
+              <a:rPr lang="zh-CN" altLang="en-US"/>
               <a:t>第四级</a:t>
             </a:r>
           </a:p>
           <a:p>
             <a:pPr lvl="4"/>
             <a:r>
-              <a:rPr lang="zh-CN" altLang="en-US" smtClean="0"/>
+              <a:rPr lang="zh-CN" altLang="en-US"/>
               <a:t>第五级</a:t>
             </a:r>
-            <a:endParaRPr lang="zh-CN" altLang="en-US"/>
           </a:p>
         </p:txBody>
       </p:sp>
@@ -1726,7 +1727,7 @@
           <a:p>
             <a:fld id="{530820CF-B880-4189-942D-D702A7CBA730}" type="datetimeFigureOut">
               <a:rPr lang="zh-CN" altLang="en-US" smtClean="0"/>
-              <a:t>2019/9/5</a:t>
+              <a:t>2020/9/17</a:t>
             </a:fld>
             <a:endParaRPr lang="zh-CN" altLang="en-US"/>
           </a:p>
@@ -2105,11 +2106,7 @@
           <a:p>
             <a:r>
               <a:rPr lang="zh-CN" altLang="en-US"/>
-              <a:t>接口测试</a:t>
-            </a:r>
-            <a:r>
-              <a:rPr lang="zh-CN" altLang="en-US" smtClean="0"/>
-              <a:t>自动化</a:t>
+              <a:t>接口测试自动化</a:t>
             </a:r>
             <a:endParaRPr lang="zh-CN" altLang="en-US" dirty="0"/>
           </a:p>
@@ -2136,7 +2133,7 @@
           <a:lstStyle/>
           <a:p>
             <a:r>
-              <a:rPr lang="zh-CN" altLang="en-US" b="1" smtClean="0">
+              <a:rPr lang="zh-CN" altLang="en-US" b="1">
                 <a:solidFill>
                   <a:schemeClr val="bg1"/>
                 </a:solidFill>
@@ -2164,13 +2161,6 @@
   <p:clrMapOvr>
     <a:masterClrMapping/>
   </p:clrMapOvr>
-  <p:timing>
-    <p:tnLst>
-      <p:par>
-        <p:cTn id="1" dur="indefinite" restart="never" nodeType="tmRoot"/>
-      </p:par>
-    </p:tnLst>
-  </p:timing>
 </p:sld>
 </file>
 
@@ -2204,7 +2194,7 @@
         <p:spPr/>
         <p:txBody>
           <a:bodyPr>
-            <a:normAutofit fontScale="85000" lnSpcReduction="10000"/>
+            <a:normAutofit fontScale="92500" lnSpcReduction="20000"/>
           </a:bodyPr>
           <a:lstStyle/>
           <a:p>
@@ -2234,10 +2224,10 @@
               </a:lnSpc>
             </a:pPr>
             <a:r>
-              <a:rPr lang="en-US" altLang="zh-CN" dirty="0" err="1" smtClean="0"/>
+              <a:rPr lang="en-US" altLang="zh-CN" dirty="0" err="1"/>
               <a:t>HttpClient</a:t>
             </a:r>
-            <a:endParaRPr lang="en-US" altLang="zh-CN" dirty="0" smtClean="0"/>
+            <a:endParaRPr lang="en-US" altLang="zh-CN" dirty="0"/>
           </a:p>
           <a:p>
             <a:pPr>
@@ -2295,10 +2285,9 @@
           <a:lstStyle/>
           <a:p>
             <a:r>
-              <a:rPr lang="zh-CN" altLang="en-US" dirty="0" smtClean="0"/>
+              <a:rPr lang="zh-CN" altLang="en-US" dirty="0"/>
               <a:t>本章大纲</a:t>
             </a:r>
-            <a:endParaRPr lang="zh-CN" altLang="en-US" dirty="0"/>
           </a:p>
         </p:txBody>
       </p:sp>
@@ -2312,13 +2301,6 @@
   <p:clrMapOvr>
     <a:masterClrMapping/>
   </p:clrMapOvr>
-  <p:timing>
-    <p:tnLst>
-      <p:par>
-        <p:cTn id="1" dur="indefinite" restart="never" nodeType="tmRoot"/>
-      </p:par>
-    </p:tnLst>
-  </p:timing>
 </p:sld>
 </file>
 
@@ -2401,18 +2383,13 @@
           <a:p>
             <a:pPr algn="ctr"/>
             <a:r>
-              <a:rPr lang="zh-CN" altLang="en-US" sz="3200" b="1" dirty="0" smtClean="0">
+              <a:rPr lang="zh-CN" altLang="en-US" sz="3200" b="1" dirty="0">
                 <a:solidFill>
                   <a:schemeClr val="tx1"/>
                 </a:solidFill>
               </a:rPr>
               <a:t>自动化</a:t>
             </a:r>
-            <a:endParaRPr lang="zh-CN" altLang="en-US" sz="3200" b="1" dirty="0">
-              <a:solidFill>
-                <a:schemeClr val="tx1"/>
-              </a:solidFill>
-            </a:endParaRPr>
           </a:p>
         </p:txBody>
       </p:sp>
@@ -2454,18 +2431,13 @@
           <a:p>
             <a:pPr algn="ctr"/>
             <a:r>
-              <a:rPr lang="zh-CN" altLang="en-US" sz="3600" b="1" dirty="0" smtClean="0">
+              <a:rPr lang="zh-CN" altLang="en-US" sz="3600" b="1" dirty="0">
                 <a:solidFill>
                   <a:schemeClr val="tx1"/>
                 </a:solidFill>
               </a:rPr>
               <a:t>测试</a:t>
             </a:r>
-            <a:endParaRPr lang="zh-CN" altLang="en-US" sz="3600" b="1" dirty="0">
-              <a:solidFill>
-                <a:schemeClr val="tx1"/>
-              </a:solidFill>
-            </a:endParaRPr>
           </a:p>
         </p:txBody>
       </p:sp>
@@ -2507,18 +2479,13 @@
           <a:p>
             <a:pPr algn="ctr"/>
             <a:r>
-              <a:rPr lang="zh-CN" altLang="en-US" sz="3200" b="1" dirty="0" smtClean="0">
+              <a:rPr lang="zh-CN" altLang="en-US" sz="3200" b="1" dirty="0">
                 <a:solidFill>
                   <a:schemeClr val="tx1"/>
                 </a:solidFill>
               </a:rPr>
               <a:t>自动化测试</a:t>
             </a:r>
-            <a:endParaRPr lang="zh-CN" altLang="en-US" sz="3200" b="1" dirty="0">
-              <a:solidFill>
-                <a:schemeClr val="tx1"/>
-              </a:solidFill>
-            </a:endParaRPr>
           </a:p>
         </p:txBody>
       </p:sp>
@@ -2545,7 +2512,7 @@
           <a:lstStyle/>
           <a:p>
             <a:r>
-              <a:rPr lang="en-US" altLang="zh-CN" sz="8000" b="1" dirty="0" smtClean="0"/>
+              <a:rPr lang="en-US" altLang="zh-CN" sz="8000" b="1" dirty="0"/>
               <a:t>+</a:t>
             </a:r>
             <a:endParaRPr lang="zh-CN" altLang="en-US" sz="8000" b="1" dirty="0"/>
@@ -2575,7 +2542,7 @@
           <a:lstStyle/>
           <a:p>
             <a:r>
-              <a:rPr lang="en-US" altLang="zh-CN" sz="8000" b="1" dirty="0" smtClean="0"/>
+              <a:rPr lang="en-US" altLang="zh-CN" sz="8000" b="1" dirty="0"/>
               <a:t>=</a:t>
             </a:r>
             <a:endParaRPr lang="zh-CN" altLang="en-US" sz="8000" b="1" dirty="0"/>
@@ -3094,18 +3061,13 @@
           <a:p>
             <a:pPr algn="ctr"/>
             <a:r>
-              <a:rPr lang="zh-CN" altLang="en-US" sz="3200" b="1" dirty="0" smtClean="0">
+              <a:rPr lang="zh-CN" altLang="en-US" sz="3200" b="1" dirty="0">
                 <a:solidFill>
                   <a:schemeClr val="tx1"/>
                 </a:solidFill>
               </a:rPr>
               <a:t>自动化测试</a:t>
             </a:r>
-            <a:endParaRPr lang="zh-CN" altLang="en-US" sz="3200" b="1" dirty="0">
-              <a:solidFill>
-                <a:schemeClr val="tx1"/>
-              </a:solidFill>
-            </a:endParaRPr>
           </a:p>
         </p:txBody>
       </p:sp>
@@ -3147,18 +3109,13 @@
           <a:p>
             <a:pPr algn="ctr"/>
             <a:r>
-              <a:rPr lang="zh-CN" altLang="en-US" sz="3600" b="1" dirty="0" smtClean="0">
+              <a:rPr lang="zh-CN" altLang="en-US" sz="3600" b="1" dirty="0">
                 <a:solidFill>
                   <a:schemeClr val="tx1"/>
                 </a:solidFill>
               </a:rPr>
               <a:t>接口测试</a:t>
             </a:r>
-            <a:endParaRPr lang="zh-CN" altLang="en-US" sz="3600" b="1" dirty="0">
-              <a:solidFill>
-                <a:schemeClr val="tx1"/>
-              </a:solidFill>
-            </a:endParaRPr>
           </a:p>
         </p:txBody>
       </p:sp>
@@ -3200,14 +3157,14 @@
           <a:p>
             <a:pPr algn="ctr"/>
             <a:r>
-              <a:rPr lang="zh-CN" altLang="en-US" sz="2800" b="1" dirty="0" smtClean="0">
+              <a:rPr lang="zh-CN" altLang="en-US" sz="2800" b="1" dirty="0">
                 <a:solidFill>
                   <a:schemeClr val="tx1"/>
                 </a:solidFill>
               </a:rPr>
               <a:t>自动化接口</a:t>
             </a:r>
-            <a:endParaRPr lang="en-US" altLang="zh-CN" sz="2800" b="1" dirty="0" smtClean="0">
+            <a:endParaRPr lang="en-US" altLang="zh-CN" sz="2800" b="1" dirty="0">
               <a:solidFill>
                 <a:schemeClr val="tx1"/>
               </a:solidFill>
@@ -3216,18 +3173,13 @@
           <a:p>
             <a:pPr algn="ctr"/>
             <a:r>
-              <a:rPr lang="zh-CN" altLang="en-US" sz="2800" b="1" dirty="0" smtClean="0">
+              <a:rPr lang="zh-CN" altLang="en-US" sz="2800" b="1" dirty="0">
                 <a:solidFill>
                   <a:schemeClr val="tx1"/>
                 </a:solidFill>
               </a:rPr>
               <a:t>测试</a:t>
             </a:r>
-            <a:endParaRPr lang="zh-CN" altLang="en-US" sz="2800" b="1" dirty="0">
-              <a:solidFill>
-                <a:schemeClr val="tx1"/>
-              </a:solidFill>
-            </a:endParaRPr>
           </a:p>
         </p:txBody>
       </p:sp>
@@ -3254,7 +3206,7 @@
           <a:lstStyle/>
           <a:p>
             <a:r>
-              <a:rPr lang="en-US" altLang="zh-CN" sz="8000" b="1" dirty="0" smtClean="0"/>
+              <a:rPr lang="en-US" altLang="zh-CN" sz="8000" b="1" dirty="0"/>
               <a:t>+</a:t>
             </a:r>
             <a:endParaRPr lang="zh-CN" altLang="en-US" sz="8000" b="1" dirty="0"/>
@@ -3284,7 +3236,7 @@
           <a:lstStyle/>
           <a:p>
             <a:r>
-              <a:rPr lang="en-US" altLang="zh-CN" sz="8000" b="1" dirty="0" smtClean="0"/>
+              <a:rPr lang="en-US" altLang="zh-CN" sz="8000" b="1" dirty="0"/>
               <a:t>=</a:t>
             </a:r>
             <a:endParaRPr lang="zh-CN" altLang="en-US" sz="8000" b="1" dirty="0"/>
@@ -3760,11 +3712,7 @@
           <a:p>
             <a:r>
               <a:rPr lang="zh-CN" altLang="en-US"/>
-              <a:t>接口</a:t>
-            </a:r>
-            <a:r>
-              <a:rPr lang="zh-CN" altLang="en-US" smtClean="0"/>
-              <a:t>自动化</a:t>
+              <a:t>接口自动化</a:t>
             </a:r>
             <a:endParaRPr lang="zh-CN" altLang="en-US" dirty="0"/>
           </a:p>
@@ -3800,12 +3748,12 @@
               <a:buChar char="•"/>
             </a:pPr>
             <a:r>
-              <a:rPr lang="zh-CN" altLang="en-US" sz="3200" dirty="0" smtClean="0">
+              <a:rPr lang="zh-CN" altLang="en-US" sz="3200" dirty="0">
                 <a:latin typeface="+mn-ea"/>
               </a:rPr>
               <a:t>接口文档分析</a:t>
             </a:r>
-            <a:endParaRPr lang="en-US" altLang="zh-CN" sz="3200" dirty="0" smtClean="0">
+            <a:endParaRPr lang="en-US" altLang="zh-CN" sz="3200" dirty="0">
               <a:latin typeface="+mn-ea"/>
             </a:endParaRPr>
           </a:p>
@@ -3818,18 +3766,12 @@
               <a:buChar char="•"/>
             </a:pPr>
             <a:r>
-              <a:rPr lang="zh-CN" altLang="en-US" sz="3200" dirty="0" smtClean="0">
+              <a:rPr lang="zh-CN" altLang="en-US" sz="3200" dirty="0">
                 <a:latin typeface="+mn-ea"/>
               </a:rPr>
-              <a:t>接口用例</a:t>
-            </a:r>
-            <a:r>
-              <a:rPr lang="zh-CN" altLang="en-US" sz="3200" dirty="0" smtClean="0">
-                <a:latin typeface="+mn-ea"/>
-              </a:rPr>
-              <a:t>设计</a:t>
-            </a:r>
-            <a:endParaRPr lang="en-US" altLang="zh-CN" sz="3200" dirty="0" smtClean="0">
+              <a:t>接口用例设计</a:t>
+            </a:r>
+            <a:endParaRPr lang="en-US" altLang="zh-CN" sz="3200" dirty="0">
               <a:latin typeface="+mn-ea"/>
             </a:endParaRPr>
           </a:p>
@@ -3842,18 +3784,18 @@
               <a:buChar char="•"/>
             </a:pPr>
             <a:r>
-              <a:rPr lang="en-US" altLang="zh-CN" sz="3200" dirty="0" smtClean="0">
+              <a:rPr lang="en-US" altLang="zh-CN" sz="3200" dirty="0">
                 <a:latin typeface="+mn-ea"/>
               </a:rPr>
               <a:t>Mock</a:t>
             </a:r>
             <a:r>
-              <a:rPr lang="zh-CN" altLang="en-US" sz="3200" smtClean="0">
+              <a:rPr lang="zh-CN" altLang="en-US" sz="3200">
                 <a:latin typeface="+mn-ea"/>
               </a:rPr>
               <a:t>接口</a:t>
             </a:r>
-            <a:endParaRPr lang="en-US" altLang="zh-CN" sz="3200" dirty="0" smtClean="0">
+            <a:endParaRPr lang="en-US" altLang="zh-CN" sz="3200" dirty="0">
               <a:latin typeface="+mn-ea"/>
             </a:endParaRPr>
           </a:p>
@@ -3866,24 +3808,24 @@
               <a:buChar char="•"/>
             </a:pPr>
             <a:r>
-              <a:rPr lang="zh-CN" altLang="en-US" sz="3200" dirty="0" smtClean="0">
+              <a:rPr lang="zh-CN" altLang="en-US" sz="3200" dirty="0">
                 <a:latin typeface="+mn-ea"/>
               </a:rPr>
               <a:t>使用</a:t>
             </a:r>
             <a:r>
-              <a:rPr lang="en-US" altLang="zh-CN" sz="3200" dirty="0" err="1" smtClean="0">
+              <a:rPr lang="en-US" altLang="zh-CN" sz="3200" dirty="0" err="1">
                 <a:latin typeface="+mn-ea"/>
               </a:rPr>
               <a:t>PostMan</a:t>
             </a:r>
             <a:r>
-              <a:rPr lang="zh-CN" altLang="en-US" sz="3200" dirty="0" smtClean="0">
+              <a:rPr lang="zh-CN" altLang="en-US" sz="3200" dirty="0">
                 <a:latin typeface="+mn-ea"/>
               </a:rPr>
               <a:t>执行接口测试</a:t>
             </a:r>
-            <a:endParaRPr lang="en-US" altLang="zh-CN" sz="3200" dirty="0" smtClean="0">
+            <a:endParaRPr lang="en-US" altLang="zh-CN" sz="3200" dirty="0">
               <a:latin typeface="+mn-ea"/>
             </a:endParaRPr>
           </a:p>
@@ -3896,7 +3838,7 @@
               <a:buChar char="•"/>
             </a:pPr>
             <a:r>
-              <a:rPr lang="zh-CN" altLang="en-US" sz="3200" dirty="0" smtClean="0">
+              <a:rPr lang="zh-CN" altLang="en-US" sz="3200" dirty="0">
                 <a:solidFill>
                   <a:srgbClr val="FF0000"/>
                 </a:solidFill>
@@ -3905,7 +3847,7 @@
               <a:t>使用</a:t>
             </a:r>
             <a:r>
-              <a:rPr lang="en-US" altLang="zh-CN" sz="3200" dirty="0" smtClean="0">
+              <a:rPr lang="en-US" altLang="zh-CN" sz="3200" dirty="0">
                 <a:solidFill>
                   <a:srgbClr val="FF0000"/>
                 </a:solidFill>
@@ -3914,7 +3856,7 @@
               <a:t>HttpClient</a:t>
             </a:r>
             <a:r>
-              <a:rPr lang="zh-CN" altLang="en-US" sz="3200" dirty="0" smtClean="0">
+              <a:rPr lang="zh-CN" altLang="en-US" sz="3200" dirty="0">
                 <a:solidFill>
                   <a:srgbClr val="FF0000"/>
                 </a:solidFill>
@@ -3922,12 +3864,6 @@
               </a:rPr>
               <a:t>执行接口测试</a:t>
             </a:r>
-            <a:endParaRPr lang="zh-CN" altLang="en-US" sz="3200" dirty="0">
-              <a:solidFill>
-                <a:srgbClr val="FF0000"/>
-              </a:solidFill>
-              <a:latin typeface="+mn-ea"/>
-            </a:endParaRPr>
           </a:p>
         </p:txBody>
       </p:sp>
@@ -4524,7 +4460,7 @@
         </p:spPr>
         <p:txBody>
           <a:bodyPr>
-            <a:normAutofit fontScale="92500" lnSpcReduction="10000"/>
+            <a:normAutofit/>
           </a:bodyPr>
           <a:lstStyle/>
           <a:p>
@@ -4598,17 +4534,9 @@
             </a:r>
             <a:r>
               <a:rPr lang="zh-CN" altLang="en-US" dirty="0"/>
-              <a:t>最新</a:t>
-            </a:r>
-            <a:r>
-              <a:rPr lang="zh-CN" altLang="en-US"/>
-              <a:t>的</a:t>
-            </a:r>
-            <a:r>
-              <a:rPr lang="zh-CN" altLang="en-US" smtClean="0"/>
-              <a:t>版本。</a:t>
-            </a:r>
-            <a:endParaRPr lang="en-US" altLang="zh-CN" dirty="0" smtClean="0"/>
+              <a:t>最新的版本。</a:t>
+            </a:r>
+            <a:endParaRPr lang="en-US" altLang="zh-CN" dirty="0"/>
           </a:p>
           <a:p>
             <a:pPr>
@@ -4620,28 +4548,12 @@
               </a:spcBef>
             </a:pPr>
             <a:r>
-              <a:rPr lang="zh-CN" altLang="en-US" sz="2400" dirty="0" smtClean="0"/>
-              <a:t> </a:t>
-            </a:r>
-            <a:r>
-              <a:rPr lang="en-US" altLang="zh-CN" sz="2400" dirty="0"/>
-              <a:t>http://hc.apache.org/httpcomponents-client-ga/</a:t>
-            </a:r>
-          </a:p>
-          <a:p>
-            <a:pPr>
-              <a:lnSpc>
-                <a:spcPct val="150000"/>
-              </a:lnSpc>
-              <a:spcBef>
-                <a:spcPts val="1200"/>
-              </a:spcBef>
-            </a:pPr>
-            <a:r>
-              <a:rPr lang="en-US" altLang="zh-CN" sz="2400" dirty="0"/>
-              <a:t>http://hc.apache.org/httpcomponents-client-ga/httpclient/apidocs/</a:t>
-            </a:r>
-            <a:endParaRPr lang="en-US" altLang="zh-CN" sz="2400" dirty="0" smtClean="0"/>
+              <a:rPr lang="en-US" altLang="zh-CN" sz="2400" dirty="0">
+                <a:hlinkClick r:id="rId2"/>
+              </a:rPr>
+              <a:t>http://hc.apache.org/downloads.cgi</a:t>
+            </a:r>
+            <a:endParaRPr lang="en-US" altLang="zh-CN" sz="2400" dirty="0"/>
           </a:p>
         </p:txBody>
       </p:sp>
@@ -4667,10 +4579,9 @@
               <a:t>HttpClient </a:t>
             </a:r>
             <a:r>
-              <a:rPr lang="zh-CN" altLang="en-US" dirty="0" smtClean="0"/>
+              <a:rPr lang="zh-CN" altLang="en-US" dirty="0"/>
               <a:t>工具介绍</a:t>
             </a:r>
-            <a:endParaRPr lang="zh-CN" altLang="en-US" dirty="0"/>
           </a:p>
         </p:txBody>
       </p:sp>
@@ -4684,13 +4595,6 @@
   <p:clrMapOvr>
     <a:masterClrMapping/>
   </p:clrMapOvr>
-  <p:timing>
-    <p:tnLst>
-      <p:par>
-        <p:cTn id="1" dur="indefinite" restart="never" nodeType="tmRoot"/>
-      </p:par>
-    </p:tnLst>
-  </p:timing>
 </p:sld>
 </file>
 
@@ -4751,7 +4655,7 @@
               <a:t>环境和</a:t>
             </a:r>
             <a:r>
-              <a:rPr lang="en-US" altLang="zh-CN" b="1" dirty="0" smtClean="0">
+              <a:rPr lang="en-US" altLang="zh-CN" b="1" dirty="0">
                 <a:latin typeface="+mn-ea"/>
               </a:rPr>
               <a:t>Eclipse</a:t>
@@ -4767,7 +4671,7 @@
               </a:spcBef>
             </a:pPr>
             <a:r>
-              <a:rPr lang="zh-CN" altLang="en-US" b="1" dirty="0" smtClean="0">
+              <a:rPr lang="zh-CN" altLang="en-US" b="1" dirty="0">
                 <a:latin typeface="+mn-ea"/>
               </a:rPr>
               <a:t>下载：</a:t>
@@ -4798,24 +4702,24 @@
               </a:spcBef>
             </a:pPr>
             <a:r>
-              <a:rPr lang="zh-CN" altLang="en-US" b="1" dirty="0" smtClean="0">
+              <a:rPr lang="zh-CN" altLang="en-US" b="1" dirty="0">
                 <a:latin typeface="+mn-ea"/>
               </a:rPr>
               <a:t>安装</a:t>
             </a:r>
             <a:r>
-              <a:rPr lang="en-US" altLang="zh-CN" b="1" dirty="0" smtClean="0">
+              <a:rPr lang="en-US" altLang="zh-CN" b="1" dirty="0">
                 <a:latin typeface="+mn-ea"/>
               </a:rPr>
               <a:t>+</a:t>
             </a:r>
             <a:r>
-              <a:rPr lang="zh-CN" altLang="en-US" b="1" dirty="0" smtClean="0">
+              <a:rPr lang="zh-CN" altLang="en-US" b="1" dirty="0">
                 <a:latin typeface="+mn-ea"/>
               </a:rPr>
               <a:t>配置</a:t>
             </a:r>
-            <a:endParaRPr lang="en-US" altLang="zh-CN" b="1" dirty="0" smtClean="0">
+            <a:endParaRPr lang="en-US" altLang="zh-CN" b="1" dirty="0">
               <a:latin typeface="+mn-ea"/>
             </a:endParaRPr>
           </a:p>
@@ -4829,26 +4733,23 @@
               </a:spcBef>
             </a:pPr>
             <a:r>
-              <a:rPr lang="zh-CN" altLang="en-US" b="1" dirty="0" smtClean="0">
+              <a:rPr lang="zh-CN" altLang="en-US" b="1" dirty="0">
                 <a:latin typeface="+mn-ea"/>
               </a:rPr>
               <a:t>验证：</a:t>
             </a:r>
             <a:r>
-              <a:rPr lang="en-US" altLang="zh-CN" b="1" dirty="0" err="1" smtClean="0">
+              <a:rPr lang="en-US" altLang="zh-CN" b="1" dirty="0" err="1">
                 <a:latin typeface="+mn-ea"/>
               </a:rPr>
               <a:t>javac</a:t>
             </a:r>
             <a:r>
-              <a:rPr lang="en-US" altLang="zh-CN" b="1" dirty="0" smtClean="0">
+              <a:rPr lang="en-US" altLang="zh-CN" b="1" dirty="0">
                 <a:latin typeface="+mn-ea"/>
               </a:rPr>
               <a:t> -version</a:t>
             </a:r>
-            <a:endParaRPr lang="en-US" altLang="zh-CN" b="1" dirty="0">
-              <a:latin typeface="+mn-ea"/>
-            </a:endParaRPr>
           </a:p>
           <a:p>
             <a:pPr marL="285750" indent="-285750">
@@ -4893,10 +4794,9 @@
               <a:t>HttpClient </a:t>
             </a:r>
             <a:r>
-              <a:rPr lang="zh-CN" altLang="en-US" dirty="0" smtClean="0"/>
+              <a:rPr lang="zh-CN" altLang="en-US" dirty="0"/>
               <a:t>环境搭建</a:t>
             </a:r>
-            <a:endParaRPr lang="zh-CN" altLang="en-US" dirty="0"/>
           </a:p>
         </p:txBody>
       </p:sp>
@@ -5365,33 +5265,33 @@
           <a:lstStyle/>
           <a:p>
             <a:r>
-              <a:rPr lang="zh-CN" altLang="en-US" dirty="0" smtClean="0"/>
+              <a:rPr lang="zh-CN" altLang="en-US" dirty="0"/>
               <a:t>创建</a:t>
             </a:r>
             <a:r>
-              <a:rPr lang="en-US" altLang="zh-CN" dirty="0" smtClean="0"/>
+              <a:rPr lang="en-US" altLang="zh-CN" dirty="0"/>
               <a:t>Java</a:t>
             </a:r>
             <a:r>
-              <a:rPr lang="zh-CN" altLang="en-US" dirty="0" smtClean="0"/>
+              <a:rPr lang="zh-CN" altLang="en-US" dirty="0"/>
               <a:t>工程</a:t>
             </a:r>
-            <a:endParaRPr lang="en-US" altLang="zh-CN" dirty="0" smtClean="0"/>
-          </a:p>
-          <a:p>
-            <a:r>
-              <a:rPr lang="zh-CN" altLang="en-US" dirty="0" smtClean="0"/>
+            <a:endParaRPr lang="en-US" altLang="zh-CN" dirty="0"/>
+          </a:p>
+          <a:p>
+            <a:r>
+              <a:rPr lang="zh-CN" altLang="en-US" dirty="0"/>
               <a:t>新建</a:t>
             </a:r>
             <a:r>
-              <a:rPr lang="en-US" altLang="zh-CN" dirty="0" smtClean="0"/>
+              <a:rPr lang="en-US" altLang="zh-CN" dirty="0"/>
               <a:t>libs</a:t>
             </a:r>
             <a:r>
-              <a:rPr lang="zh-CN" altLang="en-US" dirty="0" smtClean="0"/>
+              <a:rPr lang="zh-CN" altLang="en-US" dirty="0"/>
               <a:t>库目录</a:t>
             </a:r>
-            <a:endParaRPr lang="en-US" altLang="zh-CN" dirty="0" smtClean="0"/>
+            <a:endParaRPr lang="en-US" altLang="zh-CN" dirty="0"/>
           </a:p>
           <a:p>
             <a:r>
@@ -5399,37 +5299,33 @@
               <a:t>HttpClient </a:t>
             </a:r>
             <a:r>
-              <a:rPr lang="zh-CN" altLang="en-US" dirty="0" smtClean="0"/>
+              <a:rPr lang="zh-CN" altLang="en-US" dirty="0"/>
               <a:t>工具下载及引入</a:t>
             </a:r>
-            <a:endParaRPr lang="en-US" altLang="zh-CN" dirty="0" smtClean="0"/>
+            <a:endParaRPr lang="en-US" altLang="zh-CN" dirty="0"/>
           </a:p>
           <a:p>
             <a:pPr lvl="1"/>
             <a:r>
               <a:rPr lang="en-US" altLang="zh-CN" dirty="0"/>
-              <a:t>http://</a:t>
-            </a:r>
-            <a:r>
-              <a:rPr lang="en-US" altLang="zh-CN" dirty="0" smtClean="0"/>
-              <a:t>hc.apache.org/downloads.cgi</a:t>
+              <a:t>http://hc.apache.org/downloads.cgi</a:t>
             </a:r>
           </a:p>
           <a:p>
             <a:pPr lvl="1"/>
             <a:r>
-              <a:rPr lang="zh-CN" altLang="en-US" dirty="0" smtClean="0"/>
+              <a:rPr lang="zh-CN" altLang="en-US" dirty="0"/>
               <a:t>工程中引入</a:t>
             </a:r>
             <a:r>
-              <a:rPr lang="en-US" altLang="zh-CN" dirty="0" smtClean="0"/>
+              <a:rPr lang="en-US" altLang="zh-CN" dirty="0"/>
               <a:t>jar</a:t>
             </a:r>
             <a:r>
-              <a:rPr lang="zh-CN" altLang="en-US" dirty="0" smtClean="0"/>
+              <a:rPr lang="zh-CN" altLang="en-US" dirty="0"/>
               <a:t>包</a:t>
             </a:r>
-            <a:endParaRPr lang="en-US" altLang="zh-CN" dirty="0" smtClean="0"/>
+            <a:endParaRPr lang="en-US" altLang="zh-CN" dirty="0"/>
           </a:p>
           <a:p>
             <a:pPr marL="0" indent="0">
@@ -5461,10 +5357,9 @@
               <a:t>HttpClient </a:t>
             </a:r>
             <a:r>
-              <a:rPr lang="zh-CN" altLang="en-US" dirty="0" smtClean="0"/>
+              <a:rPr lang="zh-CN" altLang="en-US" dirty="0"/>
               <a:t>开发过程</a:t>
             </a:r>
-            <a:endParaRPr lang="zh-CN" altLang="en-US" dirty="0"/>
           </a:p>
         </p:txBody>
       </p:sp>
@@ -5478,13 +5373,6 @@
   <p:clrMapOvr>
     <a:masterClrMapping/>
   </p:clrMapOvr>
-  <p:timing>
-    <p:tnLst>
-      <p:par>
-        <p:cTn id="1" dur="indefinite" restart="never" nodeType="tmRoot"/>
-      </p:par>
-    </p:tnLst>
-  </p:timing>
 </p:sld>
 </file>
 
@@ -5526,18 +5414,17 @@
           <a:lstStyle/>
           <a:p>
             <a:r>
-              <a:rPr lang="zh-CN" altLang="en-US" dirty="0" smtClean="0"/>
+              <a:rPr lang="zh-CN" altLang="en-US" dirty="0"/>
               <a:t>通过</a:t>
             </a:r>
             <a:r>
-              <a:rPr lang="en-US" altLang="zh-CN" dirty="0" err="1" smtClean="0"/>
+              <a:rPr lang="en-US" altLang="zh-CN" dirty="0" err="1"/>
               <a:t>httpclient</a:t>
             </a:r>
             <a:r>
-              <a:rPr lang="zh-CN" altLang="en-US" dirty="0" smtClean="0"/>
+              <a:rPr lang="zh-CN" altLang="en-US" dirty="0"/>
               <a:t>来访问下百度首页</a:t>
             </a:r>
-            <a:endParaRPr lang="zh-CN" altLang="en-US" dirty="0"/>
           </a:p>
         </p:txBody>
       </p:sp>
@@ -5559,75 +5446,40 @@
           <a:lstStyle/>
           <a:p>
             <a:r>
-              <a:rPr lang="zh-CN" altLang="en-US" dirty="0" smtClean="0"/>
+              <a:rPr lang="zh-CN" altLang="en-US" dirty="0"/>
               <a:t>第一个例子</a:t>
             </a:r>
-            <a:endParaRPr lang="zh-CN" altLang="en-US" dirty="0"/>
           </a:p>
         </p:txBody>
       </p:sp>
       <p:pic>
         <p:nvPicPr>
-          <p:cNvPr id="5124" name="Picture 4"/>
+          <p:cNvPr id="4" name="图片 3">
+            <a:extLst>
+              <a:ext uri="{FF2B5EF4-FFF2-40B4-BE49-F238E27FC236}">
+                <a16:creationId xmlns:a16="http://schemas.microsoft.com/office/drawing/2014/main" id="{498EEE33-4F77-4955-B03D-08144E67521D}"/>
+              </a:ext>
+            </a:extLst>
+          </p:cNvPr>
           <p:cNvPicPr>
-            <a:picLocks noChangeAspect="1" noChangeArrowheads="1"/>
+            <a:picLocks noChangeAspect="1"/>
           </p:cNvPicPr>
           <p:nvPr/>
         </p:nvPicPr>
         <p:blipFill>
-          <a:blip r:embed="rId3">
-            <a:extLst>
-              <a:ext uri="{28A0092B-C50C-407E-A947-70E740481C1C}">
-                <a14:useLocalDpi xmlns:a14="http://schemas.microsoft.com/office/drawing/2010/main" val="0"/>
-              </a:ext>
-            </a:extLst>
-          </a:blip>
-          <a:srcRect/>
+          <a:blip r:embed="rId3"/>
           <a:stretch>
             <a:fillRect/>
           </a:stretch>
         </p:blipFill>
-        <p:spPr bwMode="auto">
+        <p:spPr>
           <a:xfrm>
-            <a:off x="611561" y="1329612"/>
-            <a:ext cx="7531285" cy="3618402"/>
+            <a:off x="1187624" y="1187247"/>
+            <a:ext cx="7144117" cy="3956253"/>
           </a:xfrm>
           <a:prstGeom prst="rect">
             <a:avLst/>
           </a:prstGeom>
-          <a:noFill/>
-          <a:ln>
-            <a:noFill/>
-          </a:ln>
-          <a:effectLst/>
-          <a:extLst>
-            <a:ext uri="{909E8E84-426E-40DD-AFC4-6F175D3DCCD1}">
-              <a14:hiddenFill xmlns:a14="http://schemas.microsoft.com/office/drawing/2010/main">
-                <a:solidFill>
-                  <a:schemeClr val="accent1"/>
-                </a:solidFill>
-              </a14:hiddenFill>
-            </a:ext>
-            <a:ext uri="{91240B29-F687-4F45-9708-019B960494DF}">
-              <a14:hiddenLine xmlns:a14="http://schemas.microsoft.com/office/drawing/2010/main" w="9525">
-                <a:solidFill>
-                  <a:schemeClr val="tx1"/>
-                </a:solidFill>
-                <a:miter lim="800000"/>
-                <a:headEnd/>
-                <a:tailEnd/>
-              </a14:hiddenLine>
-            </a:ext>
-            <a:ext uri="{AF507438-7753-43E0-B8FC-AC1667EBCBE1}">
-              <a14:hiddenEffects xmlns:a14="http://schemas.microsoft.com/office/drawing/2010/main">
-                <a:effectLst>
-                  <a:outerShdw dist="35921" dir="2700000" algn="ctr" rotWithShape="0">
-                    <a:schemeClr val="bg2"/>
-                  </a:outerShdw>
-                </a:effectLst>
-              </a14:hiddenEffects>
-            </a:ext>
-          </a:extLst>
         </p:spPr>
       </p:pic>
     </p:spTree>
@@ -5640,13 +5492,6 @@
   <p:clrMapOvr>
     <a:masterClrMapping/>
   </p:clrMapOvr>
-  <p:timing>
-    <p:tnLst>
-      <p:par>
-        <p:cTn id="1" dur="indefinite" restart="never" nodeType="tmRoot"/>
-      </p:par>
-    </p:tnLst>
-  </p:timing>
 </p:sld>
 </file>
 
@@ -5658,7 +5503,7 @@
         <a:sysClr val="windowText" lastClr="000000"/>
       </a:dk1>
       <a:lt1>
-        <a:sysClr val="window" lastClr="CCE8CF"/>
+        <a:sysClr val="window" lastClr="FFFFFF"/>
       </a:lt1>
       <a:dk2>
         <a:srgbClr val="1F497D"/>
@@ -5941,7 +5786,7 @@
         <a:sysClr val="windowText" lastClr="000000"/>
       </a:dk1>
       <a:lt1>
-        <a:sysClr val="window" lastClr="CCE8CF"/>
+        <a:sysClr val="window" lastClr="FFFFFF"/>
       </a:lt1>
       <a:dk2>
         <a:srgbClr val="1F497D"/>
